--- a/Quorum_Strava_PowerBI_Report/Presentation1.pptx
+++ b/Quorum_Strava_PowerBI_Report/Presentation1.pptx
@@ -5,7 +5,7 @@
     <p:sldMasterId id="2147483648" r:id="rId1"/>
   </p:sldMasterIdLst>
   <p:sldIdLst>
-    <p:sldId id="256" r:id="rId2"/>
+    <p:sldId id="257" r:id="rId2"/>
   </p:sldIdLst>
   <p:sldSz cx="12192000" cy="6858000"/>
   <p:notesSz cx="6858000" cy="9144000"/>
@@ -272,7 +272,7 @@
           <a:p>
             <a:fld id="{D7F4EB38-A540-4C76-B75C-83800E821618}" type="datetimeFigureOut">
               <a:rPr lang="en-GB" smtClean="0"/>
-              <a:t>27/09/2021</a:t>
+              <a:t>28/09/2021</a:t>
             </a:fld>
             <a:endParaRPr lang="en-GB"/>
           </a:p>
@@ -472,7 +472,7 @@
           <a:p>
             <a:fld id="{D7F4EB38-A540-4C76-B75C-83800E821618}" type="datetimeFigureOut">
               <a:rPr lang="en-GB" smtClean="0"/>
-              <a:t>27/09/2021</a:t>
+              <a:t>28/09/2021</a:t>
             </a:fld>
             <a:endParaRPr lang="en-GB"/>
           </a:p>
@@ -682,7 +682,7 @@
           <a:p>
             <a:fld id="{D7F4EB38-A540-4C76-B75C-83800E821618}" type="datetimeFigureOut">
               <a:rPr lang="en-GB" smtClean="0"/>
-              <a:t>27/09/2021</a:t>
+              <a:t>28/09/2021</a:t>
             </a:fld>
             <a:endParaRPr lang="en-GB"/>
           </a:p>
@@ -882,7 +882,7 @@
           <a:p>
             <a:fld id="{D7F4EB38-A540-4C76-B75C-83800E821618}" type="datetimeFigureOut">
               <a:rPr lang="en-GB" smtClean="0"/>
-              <a:t>27/09/2021</a:t>
+              <a:t>28/09/2021</a:t>
             </a:fld>
             <a:endParaRPr lang="en-GB"/>
           </a:p>
@@ -1158,7 +1158,7 @@
           <a:p>
             <a:fld id="{D7F4EB38-A540-4C76-B75C-83800E821618}" type="datetimeFigureOut">
               <a:rPr lang="en-GB" smtClean="0"/>
-              <a:t>27/09/2021</a:t>
+              <a:t>28/09/2021</a:t>
             </a:fld>
             <a:endParaRPr lang="en-GB"/>
           </a:p>
@@ -1426,7 +1426,7 @@
           <a:p>
             <a:fld id="{D7F4EB38-A540-4C76-B75C-83800E821618}" type="datetimeFigureOut">
               <a:rPr lang="en-GB" smtClean="0"/>
-              <a:t>27/09/2021</a:t>
+              <a:t>28/09/2021</a:t>
             </a:fld>
             <a:endParaRPr lang="en-GB"/>
           </a:p>
@@ -1841,7 +1841,7 @@
           <a:p>
             <a:fld id="{D7F4EB38-A540-4C76-B75C-83800E821618}" type="datetimeFigureOut">
               <a:rPr lang="en-GB" smtClean="0"/>
-              <a:t>27/09/2021</a:t>
+              <a:t>28/09/2021</a:t>
             </a:fld>
             <a:endParaRPr lang="en-GB"/>
           </a:p>
@@ -1983,7 +1983,7 @@
           <a:p>
             <a:fld id="{D7F4EB38-A540-4C76-B75C-83800E821618}" type="datetimeFigureOut">
               <a:rPr lang="en-GB" smtClean="0"/>
-              <a:t>27/09/2021</a:t>
+              <a:t>28/09/2021</a:t>
             </a:fld>
             <a:endParaRPr lang="en-GB"/>
           </a:p>
@@ -2096,7 +2096,7 @@
           <a:p>
             <a:fld id="{D7F4EB38-A540-4C76-B75C-83800E821618}" type="datetimeFigureOut">
               <a:rPr lang="en-GB" smtClean="0"/>
-              <a:t>27/09/2021</a:t>
+              <a:t>28/09/2021</a:t>
             </a:fld>
             <a:endParaRPr lang="en-GB"/>
           </a:p>
@@ -2409,7 +2409,7 @@
           <a:p>
             <a:fld id="{D7F4EB38-A540-4C76-B75C-83800E821618}" type="datetimeFigureOut">
               <a:rPr lang="en-GB" smtClean="0"/>
-              <a:t>27/09/2021</a:t>
+              <a:t>28/09/2021</a:t>
             </a:fld>
             <a:endParaRPr lang="en-GB"/>
           </a:p>
@@ -2698,7 +2698,7 @@
           <a:p>
             <a:fld id="{D7F4EB38-A540-4C76-B75C-83800E821618}" type="datetimeFigureOut">
               <a:rPr lang="en-GB" smtClean="0"/>
-              <a:t>27/09/2021</a:t>
+              <a:t>28/09/2021</a:t>
             </a:fld>
             <a:endParaRPr lang="en-GB"/>
           </a:p>
@@ -2941,7 +2941,7 @@
           <a:p>
             <a:fld id="{D7F4EB38-A540-4C76-B75C-83800E821618}" type="datetimeFigureOut">
               <a:rPr lang="en-GB" smtClean="0"/>
-              <a:t>27/09/2021</a:t>
+              <a:t>28/09/2021</a:t>
             </a:fld>
             <a:endParaRPr lang="en-GB"/>
           </a:p>
@@ -3344,14 +3344,6 @@
 <file path=ppt/slides/slide1.xml><?xml version="1.0" encoding="utf-8"?>
 <p:sld xmlns:a="http://schemas.openxmlformats.org/drawingml/2006/main" xmlns:r="http://schemas.openxmlformats.org/officeDocument/2006/relationships" xmlns:p="http://schemas.openxmlformats.org/presentationml/2006/main">
   <p:cSld>
-    <p:bg>
-      <p:bgPr>
-        <a:solidFill>
-          <a:schemeClr val="bg1"/>
-        </a:solidFill>
-        <a:effectLst/>
-      </p:bgPr>
-    </p:bg>
     <p:spTree>
       <p:nvGrpSpPr>
         <p:cNvPr id="1" name=""/>
@@ -3371,7 +3363,7 @@
           <p:cNvPr id="5" name="Graphic 4" descr="Run with solid fill">
             <a:extLst>
               <a:ext uri="{FF2B5EF4-FFF2-40B4-BE49-F238E27FC236}">
-                <a16:creationId xmlns:a16="http://schemas.microsoft.com/office/drawing/2014/main" id="{106401E6-563B-4FA2-BCFF-301CE5A2DCF9}"/>
+                <a16:creationId xmlns:a16="http://schemas.microsoft.com/office/drawing/2014/main" id="{5346AFB9-6857-483C-9EE3-19C4DD266298}"/>
               </a:ext>
             </a:extLst>
           </p:cNvPr>
@@ -3397,72 +3389,55 @@
         </p:blipFill>
         <p:spPr>
           <a:xfrm>
-            <a:off x="484632" y="1667367"/>
-            <a:ext cx="3517119" cy="3517119"/>
+            <a:off x="2653212" y="1419420"/>
+            <a:ext cx="2251155" cy="2251155"/>
           </a:xfrm>
           <a:prstGeom prst="rect">
             <a:avLst/>
           </a:prstGeom>
         </p:spPr>
       </p:pic>
-      <p:cxnSp>
-        <p:nvCxnSpPr>
-          <p:cNvPr id="28" name="Straight Connector 13">
-            <a:extLst>
-              <a:ext uri="{FF2B5EF4-FFF2-40B4-BE49-F238E27FC236}">
-                <a16:creationId xmlns:a16="http://schemas.microsoft.com/office/drawing/2014/main" id="{DCD67800-37AC-4E14-89B0-F79DCB3FB86D}"/>
-              </a:ext>
-              <a:ext uri="{C183D7F6-B498-43B3-948B-1728B52AA6E4}">
-                <adec:decorative xmlns:adec="http://schemas.microsoft.com/office/drawing/2017/decorative" val="1"/>
-              </a:ext>
-            </a:extLst>
-          </p:cNvPr>
-          <p:cNvCxnSpPr>
-            <a:cxnSpLocks noGrp="1" noRot="1" noChangeAspect="1" noMove="1" noResize="1" noEditPoints="1" noAdjustHandles="1" noChangeArrowheads="1" noChangeShapeType="1"/>
-          </p:cNvCxnSpPr>
-          <p:nvPr>
-            <p:extLst>
-              <p:ext uri="{386F3935-93C4-4BCD-93E2-E3B085C9AB24}">
-                <p16:designElem xmlns:p16="http://schemas.microsoft.com/office/powerpoint/2015/main" val="1"/>
-              </p:ext>
-            </p:extLst>
-          </p:nvPr>
-        </p:nvCxnSpPr>
+      <p:sp>
+        <p:nvSpPr>
+          <p:cNvPr id="6" name="TextBox 5">
+            <a:extLst>
+              <a:ext uri="{FF2B5EF4-FFF2-40B4-BE49-F238E27FC236}">
+                <a16:creationId xmlns:a16="http://schemas.microsoft.com/office/drawing/2014/main" id="{2E3D5ED8-A554-4828-9AA9-BB8C2EB35A0D}"/>
+              </a:ext>
+            </a:extLst>
+          </p:cNvPr>
+          <p:cNvSpPr txBox="1"/>
+          <p:nvPr/>
+        </p:nvSpPr>
         <p:spPr>
           <a:xfrm>
-            <a:off x="4165600" y="1573887"/>
-            <a:ext cx="0" cy="3710227"/>
+            <a:off x="3325171" y="840981"/>
+            <a:ext cx="907236" cy="369332"/>
           </a:xfrm>
-          <a:prstGeom prst="line">
+          <a:prstGeom prst="rect">
             <a:avLst/>
           </a:prstGeom>
-          <a:ln w="19050">
-            <a:solidFill>
-              <a:srgbClr val="7F7F7F"/>
-            </a:solidFill>
-          </a:ln>
+          <a:noFill/>
         </p:spPr>
-        <p:style>
-          <a:lnRef idx="1">
-            <a:schemeClr val="accent1"/>
-          </a:lnRef>
-          <a:fillRef idx="0">
-            <a:schemeClr val="accent1"/>
-          </a:fillRef>
-          <a:effectRef idx="0">
-            <a:schemeClr val="accent1"/>
-          </a:effectRef>
-          <a:fontRef idx="minor">
-            <a:schemeClr val="tx1"/>
-          </a:fontRef>
-        </p:style>
-      </p:cxnSp>
+        <p:txBody>
+          <a:bodyPr wrap="none" rtlCol="0">
+            <a:spAutoFit/>
+          </a:bodyPr>
+          <a:lstStyle/>
+          <a:p>
+            <a:r>
+              <a:rPr lang="en-GB" dirty="0"/>
+              <a:t>Run Km</a:t>
+            </a:r>
+          </a:p>
+        </p:txBody>
+      </p:sp>
       <p:pic>
         <p:nvPicPr>
-          <p:cNvPr id="9" name="Graphic 8" descr="Swimming with solid fill">
-            <a:extLst>
-              <a:ext uri="{FF2B5EF4-FFF2-40B4-BE49-F238E27FC236}">
-                <a16:creationId xmlns:a16="http://schemas.microsoft.com/office/drawing/2014/main" id="{E3885015-D627-4504-93C0-F063DDCFD6DD}"/>
+          <p:cNvPr id="8" name="Graphic 7" descr="Swimming with solid fill">
+            <a:extLst>
+              <a:ext uri="{FF2B5EF4-FFF2-40B4-BE49-F238E27FC236}">
+                <a16:creationId xmlns:a16="http://schemas.microsoft.com/office/drawing/2014/main" id="{3D99D79A-670A-4CDC-A80A-4D0A480C3CC2}"/>
               </a:ext>
             </a:extLst>
           </p:cNvPr>
@@ -3488,72 +3463,55 @@
         </p:blipFill>
         <p:spPr>
           <a:xfrm>
-            <a:off x="4310676" y="1657254"/>
-            <a:ext cx="3537345" cy="3537345"/>
+            <a:off x="4904367" y="1432769"/>
+            <a:ext cx="2251156" cy="2251156"/>
           </a:xfrm>
           <a:prstGeom prst="rect">
             <a:avLst/>
           </a:prstGeom>
         </p:spPr>
       </p:pic>
-      <p:cxnSp>
-        <p:nvCxnSpPr>
-          <p:cNvPr id="29" name="Straight Connector 15">
-            <a:extLst>
-              <a:ext uri="{FF2B5EF4-FFF2-40B4-BE49-F238E27FC236}">
-                <a16:creationId xmlns:a16="http://schemas.microsoft.com/office/drawing/2014/main" id="{20F1788F-A5AE-4188-8274-F7F2E3833ECD}"/>
-              </a:ext>
-              <a:ext uri="{C183D7F6-B498-43B3-948B-1728B52AA6E4}">
-                <adec:decorative xmlns:adec="http://schemas.microsoft.com/office/drawing/2017/decorative" val="1"/>
-              </a:ext>
-            </a:extLst>
-          </p:cNvPr>
-          <p:cNvCxnSpPr>
-            <a:cxnSpLocks noGrp="1" noRot="1" noChangeAspect="1" noMove="1" noResize="1" noEditPoints="1" noAdjustHandles="1" noChangeArrowheads="1" noChangeShapeType="1"/>
-          </p:cNvCxnSpPr>
-          <p:nvPr>
-            <p:extLst>
-              <p:ext uri="{386F3935-93C4-4BCD-93E2-E3B085C9AB24}">
-                <p16:designElem xmlns:p16="http://schemas.microsoft.com/office/powerpoint/2015/main" val="1"/>
-              </p:ext>
-            </p:extLst>
-          </p:nvPr>
-        </p:nvCxnSpPr>
+      <p:sp>
+        <p:nvSpPr>
+          <p:cNvPr id="9" name="TextBox 8">
+            <a:extLst>
+              <a:ext uri="{FF2B5EF4-FFF2-40B4-BE49-F238E27FC236}">
+                <a16:creationId xmlns:a16="http://schemas.microsoft.com/office/drawing/2014/main" id="{B73A11DD-9E19-4140-9124-A8A93EA530B3}"/>
+              </a:ext>
+            </a:extLst>
+          </p:cNvPr>
+          <p:cNvSpPr txBox="1"/>
+          <p:nvPr/>
+        </p:nvSpPr>
         <p:spPr>
           <a:xfrm>
-            <a:off x="7995920" y="1573887"/>
-            <a:ext cx="0" cy="3710227"/>
+            <a:off x="5559675" y="840981"/>
+            <a:ext cx="1044773" cy="369332"/>
           </a:xfrm>
-          <a:prstGeom prst="line">
+          <a:prstGeom prst="rect">
             <a:avLst/>
           </a:prstGeom>
-          <a:ln w="19050">
-            <a:solidFill>
-              <a:srgbClr val="7F7F7F"/>
-            </a:solidFill>
-          </a:ln>
+          <a:noFill/>
         </p:spPr>
-        <p:style>
-          <a:lnRef idx="1">
-            <a:schemeClr val="accent1"/>
-          </a:lnRef>
-          <a:fillRef idx="0">
-            <a:schemeClr val="accent1"/>
-          </a:fillRef>
-          <a:effectRef idx="0">
-            <a:schemeClr val="accent1"/>
-          </a:effectRef>
-          <a:fontRef idx="minor">
-            <a:schemeClr val="tx1"/>
-          </a:fontRef>
-        </p:style>
-      </p:cxnSp>
+        <p:txBody>
+          <a:bodyPr wrap="none" rtlCol="0">
+            <a:spAutoFit/>
+          </a:bodyPr>
+          <a:lstStyle/>
+          <a:p>
+            <a:r>
+              <a:rPr lang="en-GB" dirty="0"/>
+              <a:t>Swim Km</a:t>
+            </a:r>
+          </a:p>
+        </p:txBody>
+      </p:sp>
       <p:pic>
         <p:nvPicPr>
-          <p:cNvPr id="7" name="Graphic 6" descr="Footprints with solid fill">
-            <a:extLst>
-              <a:ext uri="{FF2B5EF4-FFF2-40B4-BE49-F238E27FC236}">
-                <a16:creationId xmlns:a16="http://schemas.microsoft.com/office/drawing/2014/main" id="{A9D2C28B-4E92-4BBC-AC35-FAF58188EB21}"/>
+          <p:cNvPr id="11" name="Graphic 10" descr="Footprints with solid fill">
+            <a:extLst>
+              <a:ext uri="{FF2B5EF4-FFF2-40B4-BE49-F238E27FC236}">
+                <a16:creationId xmlns:a16="http://schemas.microsoft.com/office/drawing/2014/main" id="{C26DC24E-462D-4CAC-8954-32EDF8D456A3}"/>
               </a:ext>
             </a:extLst>
           </p:cNvPr>
@@ -3579,8 +3537,8 @@
         </p:blipFill>
         <p:spPr>
           <a:xfrm>
-            <a:off x="8162336" y="1667368"/>
-            <a:ext cx="3517120" cy="3517120"/>
+            <a:off x="7223612" y="1500859"/>
+            <a:ext cx="2183066" cy="2183066"/>
           </a:xfrm>
           <a:prstGeom prst="rect">
             <a:avLst/>
@@ -3589,10 +3547,10 @@
       </p:pic>
       <p:sp>
         <p:nvSpPr>
-          <p:cNvPr id="10" name="TextBox 9">
-            <a:extLst>
-              <a:ext uri="{FF2B5EF4-FFF2-40B4-BE49-F238E27FC236}">
-                <a16:creationId xmlns:a16="http://schemas.microsoft.com/office/drawing/2014/main" id="{C0B61894-E52D-43C7-BE8B-11149E4FB236}"/>
+          <p:cNvPr id="12" name="TextBox 11">
+            <a:extLst>
+              <a:ext uri="{FF2B5EF4-FFF2-40B4-BE49-F238E27FC236}">
+                <a16:creationId xmlns:a16="http://schemas.microsoft.com/office/drawing/2014/main" id="{6CF561EA-3492-4BDA-A552-5EB1DB7A19DB}"/>
               </a:ext>
             </a:extLst>
           </p:cNvPr>
@@ -3601,77 +3559,7 @@
         </p:nvSpPr>
         <p:spPr>
           <a:xfrm>
-            <a:off x="1789573" y="914400"/>
-            <a:ext cx="907236" cy="369332"/>
-          </a:xfrm>
-          <a:prstGeom prst="rect">
-            <a:avLst/>
-          </a:prstGeom>
-          <a:noFill/>
-        </p:spPr>
-        <p:txBody>
-          <a:bodyPr wrap="none" rtlCol="0">
-            <a:spAutoFit/>
-          </a:bodyPr>
-          <a:lstStyle/>
-          <a:p>
-            <a:r>
-              <a:rPr lang="en-GB" dirty="0"/>
-              <a:t>Run Km</a:t>
-            </a:r>
-          </a:p>
-        </p:txBody>
-      </p:sp>
-      <p:sp>
-        <p:nvSpPr>
-          <p:cNvPr id="23" name="TextBox 22">
-            <a:extLst>
-              <a:ext uri="{FF2B5EF4-FFF2-40B4-BE49-F238E27FC236}">
-                <a16:creationId xmlns:a16="http://schemas.microsoft.com/office/drawing/2014/main" id="{675E102E-9AA8-4B07-BC4D-8EA4DB73441B}"/>
-              </a:ext>
-            </a:extLst>
-          </p:cNvPr>
-          <p:cNvSpPr txBox="1"/>
-          <p:nvPr/>
-        </p:nvSpPr>
-        <p:spPr>
-          <a:xfrm>
-            <a:off x="5625730" y="914400"/>
-            <a:ext cx="1044773" cy="369332"/>
-          </a:xfrm>
-          <a:prstGeom prst="rect">
-            <a:avLst/>
-          </a:prstGeom>
-          <a:noFill/>
-        </p:spPr>
-        <p:txBody>
-          <a:bodyPr wrap="none" rtlCol="0">
-            <a:spAutoFit/>
-          </a:bodyPr>
-          <a:lstStyle/>
-          <a:p>
-            <a:r>
-              <a:rPr lang="en-GB" dirty="0"/>
-              <a:t>Swim Km</a:t>
-            </a:r>
-          </a:p>
-        </p:txBody>
-      </p:sp>
-      <p:sp>
-        <p:nvSpPr>
-          <p:cNvPr id="27" name="TextBox 26">
-            <a:extLst>
-              <a:ext uri="{FF2B5EF4-FFF2-40B4-BE49-F238E27FC236}">
-                <a16:creationId xmlns:a16="http://schemas.microsoft.com/office/drawing/2014/main" id="{E572EC52-AF60-4F67-A9E0-B8F02A5CDA54}"/>
-              </a:ext>
-            </a:extLst>
-          </p:cNvPr>
-          <p:cNvSpPr txBox="1"/>
-          <p:nvPr/>
-        </p:nvSpPr>
-        <p:spPr>
-          <a:xfrm>
-            <a:off x="9398509" y="914400"/>
+            <a:off x="7931586" y="841371"/>
             <a:ext cx="1003416" cy="369332"/>
           </a:xfrm>
           <a:prstGeom prst="rect">
@@ -3695,7 +3583,7 @@
     </p:spTree>
     <p:extLst>
       <p:ext uri="{BB962C8B-B14F-4D97-AF65-F5344CB8AC3E}">
-        <p14:creationId xmlns:p14="http://schemas.microsoft.com/office/powerpoint/2010/main" val="3513238796"/>
+        <p14:creationId xmlns:p14="http://schemas.microsoft.com/office/powerpoint/2010/main" val="1146132790"/>
       </p:ext>
     </p:extLst>
   </p:cSld>
